--- a/Présentation TLJ ité 2.pptx
+++ b/Présentation TLJ ité 2.pptx
@@ -201,7 +201,7 @@
           <a:p>
             <a:fld id="{222B70AA-BECB-4450-8922-D03D7BB11F71}" type="datetimeFigureOut">
               <a:rPr lang="fr-FR" smtClean="0"/>
-              <a:t>11/12/2015</a:t>
+              <a:t>13/12/2015</a:t>
             </a:fld>
             <a:endParaRPr lang="fr-FR"/>
           </a:p>
@@ -936,7 +936,7 @@
           <a:p>
             <a:fld id="{E27ED1BF-4EFB-47E4-84F7-E3D46D8B7B32}" type="datetimeFigureOut">
               <a:rPr lang="fr-FR" smtClean="0"/>
-              <a:t>11/12/2015</a:t>
+              <a:t>13/12/2015</a:t>
             </a:fld>
             <a:endParaRPr lang="fr-FR"/>
           </a:p>
@@ -1106,7 +1106,7 @@
           <a:p>
             <a:fld id="{E27ED1BF-4EFB-47E4-84F7-E3D46D8B7B32}" type="datetimeFigureOut">
               <a:rPr lang="fr-FR" smtClean="0"/>
-              <a:t>11/12/2015</a:t>
+              <a:t>13/12/2015</a:t>
             </a:fld>
             <a:endParaRPr lang="fr-FR"/>
           </a:p>
@@ -1286,7 +1286,7 @@
           <a:p>
             <a:fld id="{E27ED1BF-4EFB-47E4-84F7-E3D46D8B7B32}" type="datetimeFigureOut">
               <a:rPr lang="fr-FR" smtClean="0"/>
-              <a:t>11/12/2015</a:t>
+              <a:t>13/12/2015</a:t>
             </a:fld>
             <a:endParaRPr lang="fr-FR"/>
           </a:p>
@@ -1456,7 +1456,7 @@
           <a:p>
             <a:fld id="{E27ED1BF-4EFB-47E4-84F7-E3D46D8B7B32}" type="datetimeFigureOut">
               <a:rPr lang="fr-FR" smtClean="0"/>
-              <a:t>11/12/2015</a:t>
+              <a:t>13/12/2015</a:t>
             </a:fld>
             <a:endParaRPr lang="fr-FR"/>
           </a:p>
@@ -1702,7 +1702,7 @@
           <a:p>
             <a:fld id="{E27ED1BF-4EFB-47E4-84F7-E3D46D8B7B32}" type="datetimeFigureOut">
               <a:rPr lang="fr-FR" smtClean="0"/>
-              <a:t>11/12/2015</a:t>
+              <a:t>13/12/2015</a:t>
             </a:fld>
             <a:endParaRPr lang="fr-FR"/>
           </a:p>
@@ -1934,7 +1934,7 @@
           <a:p>
             <a:fld id="{E27ED1BF-4EFB-47E4-84F7-E3D46D8B7B32}" type="datetimeFigureOut">
               <a:rPr lang="fr-FR" smtClean="0"/>
-              <a:t>11/12/2015</a:t>
+              <a:t>13/12/2015</a:t>
             </a:fld>
             <a:endParaRPr lang="fr-FR"/>
           </a:p>
@@ -2301,7 +2301,7 @@
           <a:p>
             <a:fld id="{E27ED1BF-4EFB-47E4-84F7-E3D46D8B7B32}" type="datetimeFigureOut">
               <a:rPr lang="fr-FR" smtClean="0"/>
-              <a:t>11/12/2015</a:t>
+              <a:t>13/12/2015</a:t>
             </a:fld>
             <a:endParaRPr lang="fr-FR"/>
           </a:p>
@@ -2419,7 +2419,7 @@
           <a:p>
             <a:fld id="{E27ED1BF-4EFB-47E4-84F7-E3D46D8B7B32}" type="datetimeFigureOut">
               <a:rPr lang="fr-FR" smtClean="0"/>
-              <a:t>11/12/2015</a:t>
+              <a:t>13/12/2015</a:t>
             </a:fld>
             <a:endParaRPr lang="fr-FR"/>
           </a:p>
@@ -2514,7 +2514,7 @@
           <a:p>
             <a:fld id="{E27ED1BF-4EFB-47E4-84F7-E3D46D8B7B32}" type="datetimeFigureOut">
               <a:rPr lang="fr-FR" smtClean="0"/>
-              <a:t>11/12/2015</a:t>
+              <a:t>13/12/2015</a:t>
             </a:fld>
             <a:endParaRPr lang="fr-FR"/>
           </a:p>
@@ -2791,7 +2791,7 @@
           <a:p>
             <a:fld id="{E27ED1BF-4EFB-47E4-84F7-E3D46D8B7B32}" type="datetimeFigureOut">
               <a:rPr lang="fr-FR" smtClean="0"/>
-              <a:t>11/12/2015</a:t>
+              <a:t>13/12/2015</a:t>
             </a:fld>
             <a:endParaRPr lang="fr-FR"/>
           </a:p>
@@ -3048,7 +3048,7 @@
           <a:p>
             <a:fld id="{E27ED1BF-4EFB-47E4-84F7-E3D46D8B7B32}" type="datetimeFigureOut">
               <a:rPr lang="fr-FR" smtClean="0"/>
-              <a:t>11/12/2015</a:t>
+              <a:t>13/12/2015</a:t>
             </a:fld>
             <a:endParaRPr lang="fr-FR"/>
           </a:p>
@@ -3261,7 +3261,7 @@
           <a:p>
             <a:fld id="{E27ED1BF-4EFB-47E4-84F7-E3D46D8B7B32}" type="datetimeFigureOut">
               <a:rPr lang="fr-FR" smtClean="0"/>
-              <a:t>11/12/2015</a:t>
+              <a:t>13/12/2015</a:t>
             </a:fld>
             <a:endParaRPr lang="fr-FR"/>
           </a:p>
@@ -3974,8 +3974,8 @@
         </p:nvSpPr>
         <p:spPr>
           <a:xfrm>
-            <a:off x="1692778" y="467214"/>
-            <a:ext cx="7197214" cy="1280795"/>
+            <a:off x="1356852" y="467214"/>
+            <a:ext cx="7533140" cy="1280795"/>
           </a:xfrm>
         </p:spPr>
         <p:txBody>
@@ -4548,22 +4548,37 @@
             </a:pPr>
             <a:r>
               <a:rPr lang="fr-FR" dirty="0" smtClean="0"/>
-              <a:t>- Graphisme des interfaces </a:t>
-            </a:r>
-            <a:r>
-              <a:rPr lang="fr-FR" smtClean="0"/>
-              <a:t>et cartes</a:t>
+              <a:t>- Graphisme des interfaces et cartes</a:t>
+            </a:r>
+          </a:p>
+          <a:p>
+            <a:pPr>
+              <a:buFontTx/>
+              <a:buChar char="-"/>
+            </a:pPr>
+            <a:r>
+              <a:rPr lang="fr-FR" dirty="0" smtClean="0"/>
+              <a:t>Ajout </a:t>
+            </a:r>
+            <a:r>
+              <a:rPr lang="fr-FR" dirty="0" smtClean="0"/>
+              <a:t>des items, monstres, compétences et </a:t>
+            </a:r>
+            <a:r>
+              <a:rPr lang="fr-FR" dirty="0" smtClean="0"/>
+              <a:t>cartes</a:t>
+            </a:r>
+          </a:p>
+          <a:p>
+            <a:pPr>
+              <a:buFontTx/>
+              <a:buChar char="-"/>
+            </a:pPr>
+            <a:r>
+              <a:rPr lang="fr-FR" smtClean="0"/>
+              <a:t>Test intensif </a:t>
             </a:r>
             <a:endParaRPr lang="fr-FR" dirty="0" smtClean="0"/>
-          </a:p>
-          <a:p>
-            <a:pPr marL="0" indent="0">
-              <a:buNone/>
-            </a:pPr>
-            <a:r>
-              <a:rPr lang="fr-FR" dirty="0" smtClean="0"/>
-              <a:t>- Ajout des items, monstres, compétences et cartes</a:t>
-            </a:r>
           </a:p>
           <a:p>
             <a:pPr marL="0" indent="0">
